--- a/Financial Advice for stocks.pptx
+++ b/Financial Advice for stocks.pptx
@@ -115,6 +115,11 @@
       </a:defRPr>
     </a:lvl9pPr>
   </p:defaultTextStyle>
+  <p:extLst>
+    <p:ext uri="{EFAFB233-063F-42B5-8137-9DF3F51BA10A}">
+      <p15:sldGuideLst xmlns:p15="http://schemas.microsoft.com/office/powerpoint/2012/main"/>
+    </p:ext>
+  </p:extLst>
 </p:presentation>
 </file>
 
@@ -289,7 +294,7 @@
           <a:p>
             <a:fld id="{48A87A34-81AB-432B-8DAE-1953F412C126}" type="datetimeFigureOut">
               <a:rPr lang="en-US" dirty="0"/>
-              <a:t>9/19/2016</a:t>
+              <a:t>10/8/2016</a:t>
             </a:fld>
             <a:endParaRPr lang="en-US" dirty="0"/>
           </a:p>
@@ -596,7 +601,7 @@
           <a:p>
             <a:fld id="{48A87A34-81AB-432B-8DAE-1953F412C126}" type="datetimeFigureOut">
               <a:rPr lang="en-US" dirty="0"/>
-              <a:t>9/19/2016</a:t>
+              <a:t>10/8/2016</a:t>
             </a:fld>
             <a:endParaRPr lang="en-US" dirty="0"/>
           </a:p>
@@ -813,7 +818,7 @@
           <a:p>
             <a:fld id="{48A87A34-81AB-432B-8DAE-1953F412C126}" type="datetimeFigureOut">
               <a:rPr lang="en-US" dirty="0"/>
-              <a:t>9/19/2016</a:t>
+              <a:t>10/8/2016</a:t>
             </a:fld>
             <a:endParaRPr lang="en-US" dirty="0"/>
           </a:p>
@@ -1099,7 +1104,7 @@
           <a:p>
             <a:fld id="{48A87A34-81AB-432B-8DAE-1953F412C126}" type="datetimeFigureOut">
               <a:rPr lang="en-US" dirty="0"/>
-              <a:t>9/19/2016</a:t>
+              <a:t>10/8/2016</a:t>
             </a:fld>
             <a:endParaRPr lang="en-US" dirty="0"/>
           </a:p>
@@ -1548,7 +1553,7 @@
           <a:p>
             <a:fld id="{48A87A34-81AB-432B-8DAE-1953F412C126}" type="datetimeFigureOut">
               <a:rPr lang="en-US" dirty="0"/>
-              <a:t>9/19/2016</a:t>
+              <a:t>10/8/2016</a:t>
             </a:fld>
             <a:endParaRPr lang="en-US" dirty="0"/>
           </a:p>
@@ -2119,7 +2124,7 @@
           <a:p>
             <a:fld id="{48A87A34-81AB-432B-8DAE-1953F412C126}" type="datetimeFigureOut">
               <a:rPr lang="en-US" dirty="0"/>
-              <a:t>9/19/2016</a:t>
+              <a:t>10/8/2016</a:t>
             </a:fld>
             <a:endParaRPr lang="en-US" dirty="0"/>
           </a:p>
@@ -2966,7 +2971,7 @@
           <a:p>
             <a:fld id="{48A87A34-81AB-432B-8DAE-1953F412C126}" type="datetimeFigureOut">
               <a:rPr lang="en-US" dirty="0"/>
-              <a:t>9/19/2016</a:t>
+              <a:t>10/8/2016</a:t>
             </a:fld>
             <a:endParaRPr lang="en-US" dirty="0"/>
           </a:p>
@@ -3166,7 +3171,7 @@
           <a:p>
             <a:fld id="{48A87A34-81AB-432B-8DAE-1953F412C126}" type="datetimeFigureOut">
               <a:rPr lang="en-US" dirty="0"/>
-              <a:t>9/19/2016</a:t>
+              <a:t>10/8/2016</a:t>
             </a:fld>
             <a:endParaRPr lang="en-US" dirty="0"/>
           </a:p>
@@ -3375,7 +3380,7 @@
           <a:p>
             <a:fld id="{48A87A34-81AB-432B-8DAE-1953F412C126}" type="datetimeFigureOut">
               <a:rPr lang="en-US" dirty="0"/>
-              <a:t>9/19/2016</a:t>
+              <a:t>10/8/2016</a:t>
             </a:fld>
             <a:endParaRPr lang="en-US" dirty="0"/>
           </a:p>
@@ -3575,7 +3580,7 @@
           <a:p>
             <a:fld id="{48A87A34-81AB-432B-8DAE-1953F412C126}" type="datetimeFigureOut">
               <a:rPr lang="en-US" dirty="0"/>
-              <a:t>9/19/2016</a:t>
+              <a:t>10/8/2016</a:t>
             </a:fld>
             <a:endParaRPr lang="en-US" dirty="0"/>
           </a:p>
@@ -3850,7 +3855,7 @@
           <a:p>
             <a:fld id="{48A87A34-81AB-432B-8DAE-1953F412C126}" type="datetimeFigureOut">
               <a:rPr lang="en-US" dirty="0"/>
-              <a:t>9/19/2016</a:t>
+              <a:t>10/8/2016</a:t>
             </a:fld>
             <a:endParaRPr lang="en-US" dirty="0"/>
           </a:p>
@@ -4112,7 +4117,7 @@
           <a:p>
             <a:fld id="{48A87A34-81AB-432B-8DAE-1953F412C126}" type="datetimeFigureOut">
               <a:rPr lang="en-US" dirty="0"/>
-              <a:t>9/19/2016</a:t>
+              <a:t>10/8/2016</a:t>
             </a:fld>
             <a:endParaRPr lang="en-US" dirty="0"/>
           </a:p>
@@ -4522,7 +4527,7 @@
           <a:p>
             <a:fld id="{48A87A34-81AB-432B-8DAE-1953F412C126}" type="datetimeFigureOut">
               <a:rPr lang="en-US" dirty="0"/>
-              <a:t>9/19/2016</a:t>
+              <a:t>10/8/2016</a:t>
             </a:fld>
             <a:endParaRPr lang="en-US" dirty="0"/>
           </a:p>
@@ -4665,7 +4670,7 @@
           <a:p>
             <a:fld id="{48A87A34-81AB-432B-8DAE-1953F412C126}" type="datetimeFigureOut">
               <a:rPr lang="en-US" dirty="0"/>
-              <a:t>9/19/2016</a:t>
+              <a:t>10/8/2016</a:t>
             </a:fld>
             <a:endParaRPr lang="en-US" dirty="0"/>
           </a:p>
@@ -4785,7 +4790,7 @@
           <a:p>
             <a:fld id="{48A87A34-81AB-432B-8DAE-1953F412C126}" type="datetimeFigureOut">
               <a:rPr lang="en-US" dirty="0"/>
-              <a:t>9/19/2016</a:t>
+              <a:t>10/8/2016</a:t>
             </a:fld>
             <a:endParaRPr lang="en-US" dirty="0"/>
           </a:p>
@@ -5059,7 +5064,7 @@
           <a:p>
             <a:fld id="{48A87A34-81AB-432B-8DAE-1953F412C126}" type="datetimeFigureOut">
               <a:rPr lang="en-US" dirty="0"/>
-              <a:t>9/19/2016</a:t>
+              <a:t>10/8/2016</a:t>
             </a:fld>
             <a:endParaRPr lang="en-US" dirty="0"/>
           </a:p>
@@ -5366,7 +5371,7 @@
           <a:p>
             <a:fld id="{48A87A34-81AB-432B-8DAE-1953F412C126}" type="datetimeFigureOut">
               <a:rPr lang="en-US" dirty="0"/>
-              <a:t>9/19/2016</a:t>
+              <a:t>10/8/2016</a:t>
             </a:fld>
             <a:endParaRPr lang="en-US" dirty="0"/>
           </a:p>
@@ -5615,7 +5620,7 @@
             <a:fld id="{48A87A34-81AB-432B-8DAE-1953F412C126}" type="datetimeFigureOut">
               <a:rPr lang="en-US" dirty="0"/>
               <a:pPr/>
-              <a:t>9/19/2016</a:t>
+              <a:t>10/8/2016</a:t>
             </a:fld>
             <a:endParaRPr lang="en-US" dirty="0"/>
           </a:p>
@@ -6095,13 +6100,11 @@
           <a:p>
             <a:r>
               <a:rPr lang="en-US" dirty="0" smtClean="0"/>
-              <a:t>Intuit RIT Challenge</a:t>
-            </a:r>
-          </a:p>
-          <a:p>
+              <a:t>Author</a:t>
+            </a:r>
             <a:r>
               <a:rPr lang="en-US" dirty="0" smtClean="0"/>
-              <a:t>Author: Harshit shah</a:t>
+              <a:t>: Harshit shah</a:t>
             </a:r>
             <a:endParaRPr lang="en-US" dirty="0"/>
           </a:p>
@@ -6491,8 +6494,17 @@
           <a:p>
             <a:r>
               <a:rPr lang="en-US" dirty="0" smtClean="0"/>
-              <a:t>Intuit’s financial tools</a:t>
-            </a:r>
+              <a:t>Many Available </a:t>
+            </a:r>
+            <a:r>
+              <a:rPr lang="en-US" dirty="0" smtClean="0"/>
+              <a:t>financial </a:t>
+            </a:r>
+            <a:r>
+              <a:rPr lang="en-US" dirty="0" smtClean="0"/>
+              <a:t>tools Do not provide the stock prediction</a:t>
+            </a:r>
+            <a:endParaRPr lang="en-US" dirty="0" smtClean="0"/>
           </a:p>
           <a:p>
             <a:r>
